--- a/doc/TF.pptx
+++ b/doc/TF.pptx
@@ -5,16 +5,17 @@
     <p:sldMasterId id="2147483648" r:id="rId4"/>
   </p:sldMasterIdLst>
   <p:notesMasterIdLst>
-    <p:notesMasterId r:id="rId9"/>
+    <p:notesMasterId r:id="rId10"/>
   </p:notesMasterIdLst>
   <p:handoutMasterIdLst>
-    <p:handoutMasterId r:id="rId10"/>
+    <p:handoutMasterId r:id="rId11"/>
   </p:handoutMasterIdLst>
   <p:sldIdLst>
     <p:sldId id="618" r:id="rId5"/>
     <p:sldId id="685" r:id="rId6"/>
     <p:sldId id="694" r:id="rId7"/>
-    <p:sldId id="691" r:id="rId8"/>
+    <p:sldId id="695" r:id="rId8"/>
+    <p:sldId id="691" r:id="rId9"/>
   </p:sldIdLst>
   <p:sldSz cx="12192000" cy="6858000"/>
   <p:notesSz cx="6858000" cy="9144000"/>
@@ -167,7 +168,7 @@
 <file path=ppt/revisionInfo.xml><?xml version="1.0" encoding="utf-8"?>
 <p1510:revInfo xmlns:a="http://schemas.openxmlformats.org/drawingml/2006/main" xmlns:r="http://schemas.openxmlformats.org/officeDocument/2006/relationships" xmlns:p1510="http://schemas.microsoft.com/office/powerpoint/2015/10/main">
   <p1510:revLst>
-    <p1510:client id="{3D793AE2-BCEA-478C-9FE3-C585EFDB2462}" v="23" dt="2024-03-24T09:53:45.640"/>
+    <p1510:client id="{3D793AE2-BCEA-478C-9FE3-C585EFDB2462}" v="58" dt="2024-03-26T19:59:36.668"/>
   </p1510:revLst>
 </p1510:revInfo>
 </file>
@@ -6332,7 +6333,7 @@
   <pc:docChgLst>
     <pc:chgData name="Øyvind Wiig Petersen" userId="8db00c4c-acc5-4dea-8516-ccf730572e42" providerId="ADAL" clId="{3D793AE2-BCEA-478C-9FE3-C585EFDB2462}"/>
     <pc:docChg chg="custSel addSld delSld modSld sldOrd">
-      <pc:chgData name="Øyvind Wiig Petersen" userId="8db00c4c-acc5-4dea-8516-ccf730572e42" providerId="ADAL" clId="{3D793AE2-BCEA-478C-9FE3-C585EFDB2462}" dt="2024-03-24T09:54:01.920" v="293" actId="47"/>
+      <pc:chgData name="Øyvind Wiig Petersen" userId="8db00c4c-acc5-4dea-8516-ccf730572e42" providerId="ADAL" clId="{3D793AE2-BCEA-478C-9FE3-C585EFDB2462}" dt="2024-03-26T19:59:54.761" v="407" actId="1076"/>
       <pc:docMkLst>
         <pc:docMk/>
       </pc:docMkLst>
@@ -6590,6 +6591,109 @@
             <ac:cxnSpMk id="22" creationId="{CCDB1B2D-837A-8F31-F617-D9F61A338064}"/>
           </ac:cxnSpMkLst>
         </pc:cxnChg>
+      </pc:sldChg>
+      <pc:sldChg chg="addSp delSp modSp add mod ord">
+        <pc:chgData name="Øyvind Wiig Petersen" userId="8db00c4c-acc5-4dea-8516-ccf730572e42" providerId="ADAL" clId="{3D793AE2-BCEA-478C-9FE3-C585EFDB2462}" dt="2024-03-26T19:59:54.761" v="407" actId="1076"/>
+        <pc:sldMkLst>
+          <pc:docMk/>
+          <pc:sldMk cId="1398240539" sldId="695"/>
+        </pc:sldMkLst>
+        <pc:spChg chg="mod">
+          <ac:chgData name="Øyvind Wiig Petersen" userId="8db00c4c-acc5-4dea-8516-ccf730572e42" providerId="ADAL" clId="{3D793AE2-BCEA-478C-9FE3-C585EFDB2462}" dt="2024-03-26T19:49:29.120" v="299" actId="20577"/>
+          <ac:spMkLst>
+            <pc:docMk/>
+            <pc:sldMk cId="1398240539" sldId="695"/>
+            <ac:spMk id="3" creationId="{7D12510C-5026-AF89-EFFC-BBB3EF5352A6}"/>
+          </ac:spMkLst>
+        </pc:spChg>
+        <pc:graphicFrameChg chg="del">
+          <ac:chgData name="Øyvind Wiig Petersen" userId="8db00c4c-acc5-4dea-8516-ccf730572e42" providerId="ADAL" clId="{3D793AE2-BCEA-478C-9FE3-C585EFDB2462}" dt="2024-03-26T19:49:39.650" v="304" actId="478"/>
+          <ac:graphicFrameMkLst>
+            <pc:docMk/>
+            <pc:sldMk cId="1398240539" sldId="695"/>
+            <ac:graphicFrameMk id="2" creationId="{98A4A00D-2441-0D72-31D8-4D7BE4583398}"/>
+          </ac:graphicFrameMkLst>
+        </pc:graphicFrameChg>
+        <pc:graphicFrameChg chg="add mod">
+          <ac:chgData name="Øyvind Wiig Petersen" userId="8db00c4c-acc5-4dea-8516-ccf730572e42" providerId="ADAL" clId="{3D793AE2-BCEA-478C-9FE3-C585EFDB2462}" dt="2024-03-26T19:56:22.558" v="354" actId="14100"/>
+          <ac:graphicFrameMkLst>
+            <pc:docMk/>
+            <pc:sldMk cId="1398240539" sldId="695"/>
+            <ac:graphicFrameMk id="4" creationId="{BA4E1BEC-DA06-110E-A1CB-615BE03FFC2F}"/>
+          </ac:graphicFrameMkLst>
+        </pc:graphicFrameChg>
+        <pc:graphicFrameChg chg="add mod">
+          <ac:chgData name="Øyvind Wiig Petersen" userId="8db00c4c-acc5-4dea-8516-ccf730572e42" providerId="ADAL" clId="{3D793AE2-BCEA-478C-9FE3-C585EFDB2462}" dt="2024-03-26T19:59:32.518" v="400"/>
+          <ac:graphicFrameMkLst>
+            <pc:docMk/>
+            <pc:sldMk cId="1398240539" sldId="695"/>
+            <ac:graphicFrameMk id="5" creationId="{1018F3AE-016D-F35A-2437-BC6B2050175B}"/>
+          </ac:graphicFrameMkLst>
+        </pc:graphicFrameChg>
+        <pc:graphicFrameChg chg="add mod">
+          <ac:chgData name="Øyvind Wiig Petersen" userId="8db00c4c-acc5-4dea-8516-ccf730572e42" providerId="ADAL" clId="{3D793AE2-BCEA-478C-9FE3-C585EFDB2462}" dt="2024-03-26T19:49:37.597" v="303" actId="571"/>
+          <ac:graphicFrameMkLst>
+            <pc:docMk/>
+            <pc:sldMk cId="1398240539" sldId="695"/>
+            <ac:graphicFrameMk id="6" creationId="{E72EA3B4-8584-75F5-B485-F5727FD7D7D1}"/>
+          </ac:graphicFrameMkLst>
+        </pc:graphicFrameChg>
+        <pc:graphicFrameChg chg="del">
+          <ac:chgData name="Øyvind Wiig Petersen" userId="8db00c4c-acc5-4dea-8516-ccf730572e42" providerId="ADAL" clId="{3D793AE2-BCEA-478C-9FE3-C585EFDB2462}" dt="2024-03-26T19:49:39.650" v="304" actId="478"/>
+          <ac:graphicFrameMkLst>
+            <pc:docMk/>
+            <pc:sldMk cId="1398240539" sldId="695"/>
+            <ac:graphicFrameMk id="7" creationId="{BEF6ED9D-D0F8-E93B-D7C4-BC3277DEC69A}"/>
+          </ac:graphicFrameMkLst>
+        </pc:graphicFrameChg>
+        <pc:graphicFrameChg chg="add mod">
+          <ac:chgData name="Øyvind Wiig Petersen" userId="8db00c4c-acc5-4dea-8516-ccf730572e42" providerId="ADAL" clId="{3D793AE2-BCEA-478C-9FE3-C585EFDB2462}" dt="2024-03-26T19:49:37.597" v="303" actId="571"/>
+          <ac:graphicFrameMkLst>
+            <pc:docMk/>
+            <pc:sldMk cId="1398240539" sldId="695"/>
+            <ac:graphicFrameMk id="8" creationId="{063C4E95-0197-5310-A6DB-F28188384375}"/>
+          </ac:graphicFrameMkLst>
+        </pc:graphicFrameChg>
+        <pc:graphicFrameChg chg="add mod">
+          <ac:chgData name="Øyvind Wiig Petersen" userId="8db00c4c-acc5-4dea-8516-ccf730572e42" providerId="ADAL" clId="{3D793AE2-BCEA-478C-9FE3-C585EFDB2462}" dt="2024-03-26T19:49:37.597" v="303" actId="571"/>
+          <ac:graphicFrameMkLst>
+            <pc:docMk/>
+            <pc:sldMk cId="1398240539" sldId="695"/>
+            <ac:graphicFrameMk id="9" creationId="{DDCF00D5-B1FC-290F-6355-210272BC4B89}"/>
+          </ac:graphicFrameMkLst>
+        </pc:graphicFrameChg>
+        <pc:graphicFrameChg chg="add mod">
+          <ac:chgData name="Øyvind Wiig Petersen" userId="8db00c4c-acc5-4dea-8516-ccf730572e42" providerId="ADAL" clId="{3D793AE2-BCEA-478C-9FE3-C585EFDB2462}" dt="2024-03-26T19:59:54.761" v="407" actId="1076"/>
+          <ac:graphicFrameMkLst>
+            <pc:docMk/>
+            <pc:sldMk cId="1398240539" sldId="695"/>
+            <ac:graphicFrameMk id="11" creationId="{AE27674D-4209-A735-C831-FE7FD0571C63}"/>
+          </ac:graphicFrameMkLst>
+        </pc:graphicFrameChg>
+        <pc:graphicFrameChg chg="del">
+          <ac:chgData name="Øyvind Wiig Petersen" userId="8db00c4c-acc5-4dea-8516-ccf730572e42" providerId="ADAL" clId="{3D793AE2-BCEA-478C-9FE3-C585EFDB2462}" dt="2024-03-26T19:49:39.650" v="304" actId="478"/>
+          <ac:graphicFrameMkLst>
+            <pc:docMk/>
+            <pc:sldMk cId="1398240539" sldId="695"/>
+            <ac:graphicFrameMk id="12" creationId="{B3FBBF00-6BFC-64D3-9BC3-CF8482101003}"/>
+          </ac:graphicFrameMkLst>
+        </pc:graphicFrameChg>
+        <pc:graphicFrameChg chg="del">
+          <ac:chgData name="Øyvind Wiig Petersen" userId="8db00c4c-acc5-4dea-8516-ccf730572e42" providerId="ADAL" clId="{3D793AE2-BCEA-478C-9FE3-C585EFDB2462}" dt="2024-03-26T19:49:39.650" v="304" actId="478"/>
+          <ac:graphicFrameMkLst>
+            <pc:docMk/>
+            <pc:sldMk cId="1398240539" sldId="695"/>
+            <ac:graphicFrameMk id="13" creationId="{2093C317-6358-221A-D374-802FE754FE24}"/>
+          </ac:graphicFrameMkLst>
+        </pc:graphicFrameChg>
+        <pc:graphicFrameChg chg="add del mod">
+          <ac:chgData name="Øyvind Wiig Petersen" userId="8db00c4c-acc5-4dea-8516-ccf730572e42" providerId="ADAL" clId="{3D793AE2-BCEA-478C-9FE3-C585EFDB2462}" dt="2024-03-26T19:59:47.593" v="404" actId="478"/>
+          <ac:graphicFrameMkLst>
+            <pc:docMk/>
+            <pc:sldMk cId="1398240539" sldId="695"/>
+            <ac:graphicFrameMk id="14" creationId="{76834316-A897-5D09-2A2E-E6292FF539B8}"/>
+          </ac:graphicFrameMkLst>
+        </pc:graphicFrameChg>
       </pc:sldChg>
       <pc:sldChg chg="new del">
         <pc:chgData name="Øyvind Wiig Petersen" userId="8db00c4c-acc5-4dea-8516-ccf730572e42" providerId="ADAL" clId="{3D793AE2-BCEA-478C-9FE3-C585EFDB2462}" dt="2024-03-24T09:52:03.066" v="287" actId="2696"/>
@@ -13626,7 +13730,7 @@
           <a:p>
             <a:fld id="{A5900E29-18E1-4109-AAA1-F28C0AAA934D}" type="datetimeFigureOut">
               <a:rPr lang="en-US" smtClean="0"/>
-              <a:t>3/24/2024</a:t>
+              <a:t>3/26/2024</a:t>
             </a:fld>
             <a:endParaRPr lang="en-US"/>
           </a:p>
@@ -13791,7 +13895,7 @@
           <a:p>
             <a:fld id="{9202B75C-0EBB-4B30-BBC4-C5E69FFFE7FE}" type="datetimeFigureOut">
               <a:rPr lang="nb-NO" smtClean="0"/>
-              <a:t>24.03.2024</a:t>
+              <a:t>26.03.2024</a:t>
             </a:fld>
             <a:endParaRPr lang="nb-NO"/>
           </a:p>
@@ -14302,6 +14406,90 @@
     <p:extLst>
       <p:ext uri="{BB962C8B-B14F-4D97-AF65-F5344CB8AC3E}">
         <p14:creationId xmlns:p14="http://schemas.microsoft.com/office/powerpoint/2010/main" val="4284082444"/>
+      </p:ext>
+    </p:extLst>
+  </p:cSld>
+  <p:clrMapOvr>
+    <a:masterClrMapping/>
+  </p:clrMapOvr>
+</p:notes>
+</file>
+
+<file path=ppt/notesSlides/notesSlide4.xml><?xml version="1.0" encoding="utf-8"?>
+<p:notes xmlns:a="http://schemas.openxmlformats.org/drawingml/2006/main" xmlns:r="http://schemas.openxmlformats.org/officeDocument/2006/relationships" xmlns:p="http://schemas.openxmlformats.org/presentationml/2006/main">
+  <p:cSld>
+    <p:spTree>
+      <p:nvGrpSpPr>
+        <p:cNvPr id="1" name=""/>
+        <p:cNvGrpSpPr/>
+        <p:nvPr/>
+      </p:nvGrpSpPr>
+      <p:grpSpPr>
+        <a:xfrm>
+          <a:off x="0" y="0"/>
+          <a:ext cx="0" cy="0"/>
+          <a:chOff x="0" y="0"/>
+          <a:chExt cx="0" cy="0"/>
+        </a:xfrm>
+      </p:grpSpPr>
+      <p:sp>
+        <p:nvSpPr>
+          <p:cNvPr id="2" name="Slide Image Placeholder 1"/>
+          <p:cNvSpPr>
+            <a:spLocks noGrp="1" noRot="1" noChangeAspect="1"/>
+          </p:cNvSpPr>
+          <p:nvPr>
+            <p:ph type="sldImg"/>
+          </p:nvPr>
+        </p:nvSpPr>
+        <p:spPr/>
+      </p:sp>
+      <p:sp>
+        <p:nvSpPr>
+          <p:cNvPr id="3" name="Notes Placeholder 2"/>
+          <p:cNvSpPr>
+            <a:spLocks noGrp="1"/>
+          </p:cNvSpPr>
+          <p:nvPr>
+            <p:ph type="body" idx="1"/>
+          </p:nvPr>
+        </p:nvSpPr>
+        <p:spPr/>
+        <p:txBody>
+          <a:bodyPr/>
+          <a:lstStyle/>
+          <a:p>
+            <a:endParaRPr lang="nb-NO" dirty="0"/>
+          </a:p>
+        </p:txBody>
+      </p:sp>
+      <p:sp>
+        <p:nvSpPr>
+          <p:cNvPr id="4" name="Slide Number Placeholder 3"/>
+          <p:cNvSpPr>
+            <a:spLocks noGrp="1"/>
+          </p:cNvSpPr>
+          <p:nvPr>
+            <p:ph type="sldNum" sz="quarter" idx="5"/>
+          </p:nvPr>
+        </p:nvSpPr>
+        <p:spPr/>
+        <p:txBody>
+          <a:bodyPr/>
+          <a:lstStyle/>
+          <a:p>
+            <a:fld id="{55FF28BA-818D-4B07-AEBE-B16BD9B7CDF3}" type="slidenum">
+              <a:rPr lang="nb-NO" smtClean="0"/>
+              <a:t>4</a:t>
+            </a:fld>
+            <a:endParaRPr lang="nb-NO"/>
+          </a:p>
+        </p:txBody>
+      </p:sp>
+    </p:spTree>
+    <p:extLst>
+      <p:ext uri="{BB962C8B-B14F-4D97-AF65-F5344CB8AC3E}">
+        <p14:creationId xmlns:p14="http://schemas.microsoft.com/office/powerpoint/2010/main" val="2948860482"/>
       </p:ext>
     </p:extLst>
   </p:cSld>
@@ -18077,6 +18265,444 @@
           <p:cNvPr id="3" name="Title 2">
             <a:extLst>
               <a:ext uri="{FF2B5EF4-FFF2-40B4-BE49-F238E27FC236}">
+                <a16:creationId xmlns:a16="http://schemas.microsoft.com/office/drawing/2014/main" id="{7D12510C-5026-AF89-EFFC-BBB3EF5352A6}"/>
+              </a:ext>
+            </a:extLst>
+          </p:cNvPr>
+          <p:cNvSpPr>
+            <a:spLocks noGrp="1"/>
+          </p:cNvSpPr>
+          <p:nvPr>
+            <p:ph type="title"/>
+          </p:nvPr>
+        </p:nvSpPr>
+        <p:spPr/>
+        <p:txBody>
+          <a:bodyPr/>
+          <a:lstStyle/>
+          <a:p>
+            <a:r>
+              <a:rPr lang="nb-NO" dirty="0"/>
+              <a:t>RTS</a:t>
+            </a:r>
+          </a:p>
+        </p:txBody>
+      </p:sp>
+      <p:sp>
+        <p:nvSpPr>
+          <p:cNvPr id="10" name="Content Placeholder 4">
+            <a:extLst>
+              <a:ext uri="{FF2B5EF4-FFF2-40B4-BE49-F238E27FC236}">
+                <a16:creationId xmlns:a16="http://schemas.microsoft.com/office/drawing/2014/main" id="{F634CA68-C90F-FACD-C14B-7ED6A5C67178}"/>
+              </a:ext>
+            </a:extLst>
+          </p:cNvPr>
+          <p:cNvSpPr txBox="1">
+            <a:spLocks/>
+          </p:cNvSpPr>
+          <p:nvPr/>
+        </p:nvSpPr>
+        <p:spPr>
+          <a:xfrm>
+            <a:off x="587374" y="1274547"/>
+            <a:ext cx="11372921" cy="506735"/>
+          </a:xfrm>
+          <a:prstGeom prst="rect">
+            <a:avLst/>
+          </a:prstGeom>
+        </p:spPr>
+        <p:txBody>
+          <a:bodyPr vert="horz" lIns="91440" tIns="45720" rIns="91440" bIns="45720" rtlCol="0">
+            <a:noAutofit/>
+          </a:bodyPr>
+          <a:lstStyle>
+            <a:lvl1pPr marL="342900" indent="-342900" algn="l" defTabSz="457200" rtl="0" eaLnBrk="1" latinLnBrk="0" hangingPunct="1">
+              <a:spcBef>
+                <a:spcPct val="20000"/>
+              </a:spcBef>
+              <a:buFont typeface="Arial"/>
+              <a:buChar char="•"/>
+              <a:defRPr sz="1800" kern="1200">
+                <a:solidFill>
+                  <a:schemeClr val="tx1"/>
+                </a:solidFill>
+                <a:latin typeface="Arial"/>
+                <a:ea typeface="+mn-ea"/>
+                <a:cs typeface="Arial"/>
+              </a:defRPr>
+            </a:lvl1pPr>
+            <a:lvl2pPr marL="742950" indent="-285750" algn="l" defTabSz="457200" rtl="0" eaLnBrk="1" latinLnBrk="0" hangingPunct="1">
+              <a:spcBef>
+                <a:spcPct val="20000"/>
+              </a:spcBef>
+              <a:buFont typeface="Arial" panose="020B0604020202020204" pitchFamily="34" charset="0"/>
+              <a:buChar char="»"/>
+              <a:defRPr sz="1600" kern="1200">
+                <a:solidFill>
+                  <a:schemeClr val="tx1"/>
+                </a:solidFill>
+                <a:latin typeface="Arial"/>
+                <a:ea typeface="+mn-ea"/>
+                <a:cs typeface="Arial"/>
+              </a:defRPr>
+            </a:lvl2pPr>
+            <a:lvl3pPr marL="1143000" indent="-228600" algn="l" defTabSz="457200" rtl="0" eaLnBrk="1" latinLnBrk="0" hangingPunct="1">
+              <a:spcBef>
+                <a:spcPct val="20000"/>
+              </a:spcBef>
+              <a:buFont typeface="Arial"/>
+              <a:buChar char="•"/>
+              <a:defRPr sz="1200" kern="1200">
+                <a:solidFill>
+                  <a:schemeClr val="tx1"/>
+                </a:solidFill>
+                <a:latin typeface="Arial"/>
+                <a:ea typeface="+mn-ea"/>
+                <a:cs typeface="Arial"/>
+              </a:defRPr>
+            </a:lvl3pPr>
+            <a:lvl4pPr marL="1600200" indent="-228600" algn="l" defTabSz="457200" rtl="0" eaLnBrk="1" latinLnBrk="0" hangingPunct="1">
+              <a:spcBef>
+                <a:spcPct val="20000"/>
+              </a:spcBef>
+              <a:buFont typeface="Arial"/>
+              <a:buChar char="–"/>
+              <a:defRPr sz="1200" kern="1200">
+                <a:solidFill>
+                  <a:schemeClr val="tx1"/>
+                </a:solidFill>
+                <a:latin typeface="Arial"/>
+                <a:ea typeface="+mn-ea"/>
+                <a:cs typeface="Arial"/>
+              </a:defRPr>
+            </a:lvl4pPr>
+            <a:lvl5pPr marL="2057400" indent="-228600" algn="l" defTabSz="457200" rtl="0" eaLnBrk="1" latinLnBrk="0" hangingPunct="1">
+              <a:spcBef>
+                <a:spcPct val="20000"/>
+              </a:spcBef>
+              <a:buFont typeface="Arial"/>
+              <a:buChar char="»"/>
+              <a:defRPr sz="1200" kern="1200">
+                <a:solidFill>
+                  <a:schemeClr val="tx1"/>
+                </a:solidFill>
+                <a:latin typeface="Arial"/>
+                <a:ea typeface="+mn-ea"/>
+                <a:cs typeface="Arial"/>
+              </a:defRPr>
+            </a:lvl5pPr>
+            <a:lvl6pPr marL="2514600" indent="-228600" algn="l" defTabSz="457200" rtl="0" eaLnBrk="1" latinLnBrk="0" hangingPunct="1">
+              <a:spcBef>
+                <a:spcPct val="20000"/>
+              </a:spcBef>
+              <a:buFont typeface="Arial"/>
+              <a:buChar char="•"/>
+              <a:defRPr sz="2000" kern="1200">
+                <a:solidFill>
+                  <a:schemeClr val="tx1"/>
+                </a:solidFill>
+                <a:latin typeface="+mn-lt"/>
+                <a:ea typeface="+mn-ea"/>
+                <a:cs typeface="+mn-cs"/>
+              </a:defRPr>
+            </a:lvl6pPr>
+            <a:lvl7pPr marL="2971800" indent="-228600" algn="l" defTabSz="457200" rtl="0" eaLnBrk="1" latinLnBrk="0" hangingPunct="1">
+              <a:spcBef>
+                <a:spcPct val="20000"/>
+              </a:spcBef>
+              <a:buFont typeface="Arial"/>
+              <a:buChar char="•"/>
+              <a:defRPr sz="2000" kern="1200">
+                <a:solidFill>
+                  <a:schemeClr val="tx1"/>
+                </a:solidFill>
+                <a:latin typeface="+mn-lt"/>
+                <a:ea typeface="+mn-ea"/>
+                <a:cs typeface="+mn-cs"/>
+              </a:defRPr>
+            </a:lvl7pPr>
+            <a:lvl8pPr marL="3429000" indent="-228600" algn="l" defTabSz="457200" rtl="0" eaLnBrk="1" latinLnBrk="0" hangingPunct="1">
+              <a:spcBef>
+                <a:spcPct val="20000"/>
+              </a:spcBef>
+              <a:buFont typeface="Arial"/>
+              <a:buChar char="•"/>
+              <a:defRPr sz="2000" kern="1200">
+                <a:solidFill>
+                  <a:schemeClr val="tx1"/>
+                </a:solidFill>
+                <a:latin typeface="+mn-lt"/>
+                <a:ea typeface="+mn-ea"/>
+                <a:cs typeface="+mn-cs"/>
+              </a:defRPr>
+            </a:lvl8pPr>
+            <a:lvl9pPr marL="3886200" indent="-228600" algn="l" defTabSz="457200" rtl="0" eaLnBrk="1" latinLnBrk="0" hangingPunct="1">
+              <a:spcBef>
+                <a:spcPct val="20000"/>
+              </a:spcBef>
+              <a:buFont typeface="Arial"/>
+              <a:buChar char="•"/>
+              <a:defRPr sz="2000" kern="1200">
+                <a:solidFill>
+                  <a:schemeClr val="tx1"/>
+                </a:solidFill>
+                <a:latin typeface="+mn-lt"/>
+                <a:ea typeface="+mn-ea"/>
+                <a:cs typeface="+mn-cs"/>
+              </a:defRPr>
+            </a:lvl9pPr>
+          </a:lstStyle>
+          <a:p>
+            <a:pPr marL="0" indent="0">
+              <a:buFont typeface="Arial"/>
+              <a:buNone/>
+            </a:pPr>
+            <a:endParaRPr lang="en-US" dirty="0"/>
+          </a:p>
+        </p:txBody>
+      </p:sp>
+      <p:graphicFrame>
+        <p:nvGraphicFramePr>
+          <p:cNvPr id="4" name="Object 3">
+            <a:extLst>
+              <a:ext uri="{FF2B5EF4-FFF2-40B4-BE49-F238E27FC236}">
+                <a16:creationId xmlns:a16="http://schemas.microsoft.com/office/drawing/2014/main" id="{BA4E1BEC-DA06-110E-A1CB-615BE03FFC2F}"/>
+              </a:ext>
+            </a:extLst>
+          </p:cNvPr>
+          <p:cNvGraphicFramePr>
+            <a:graphicFrameLocks noChangeAspect="1"/>
+          </p:cNvGraphicFramePr>
+          <p:nvPr>
+            <p:extLst>
+              <p:ext uri="{D42A27DB-BD31-4B8C-83A1-F6EECF244321}">
+                <p14:modId xmlns:p14="http://schemas.microsoft.com/office/powerpoint/2010/main" val="4200260555"/>
+              </p:ext>
+            </p:extLst>
+          </p:nvPr>
+        </p:nvGraphicFramePr>
+        <p:xfrm>
+          <a:off x="861882" y="1274547"/>
+          <a:ext cx="2506896" cy="337680"/>
+        </p:xfrm>
+        <a:graphic>
+          <a:graphicData uri="http://schemas.openxmlformats.org/presentationml/2006/ole">
+            <mc:AlternateContent xmlns:mc="http://schemas.openxmlformats.org/markup-compatibility/2006">
+              <mc:Choice xmlns:v="urn:schemas-microsoft-com:vml" Requires="v">
+                <p:oleObj name="Equation" r:id="rId3" imgW="1790640" imgH="241200" progId="Equation.DSMT4">
+                  <p:embed/>
+                </p:oleObj>
+              </mc:Choice>
+              <mc:Fallback>
+                <p:oleObj name="Equation" r:id="rId3" imgW="1790640" imgH="241200" progId="Equation.DSMT4">
+                  <p:embed/>
+                  <p:pic>
+                    <p:nvPicPr>
+                      <p:cNvPr id="4" name="Object 3">
+                        <a:extLst>
+                          <a:ext uri="{FF2B5EF4-FFF2-40B4-BE49-F238E27FC236}">
+                            <a16:creationId xmlns:a16="http://schemas.microsoft.com/office/drawing/2014/main" id="{BA4E1BEC-DA06-110E-A1CB-615BE03FFC2F}"/>
+                          </a:ext>
+                        </a:extLst>
+                      </p:cNvPr>
+                      <p:cNvPicPr/>
+                      <p:nvPr/>
+                    </p:nvPicPr>
+                    <p:blipFill>
+                      <a:blip r:embed="rId4"/>
+                      <a:stretch>
+                        <a:fillRect/>
+                      </a:stretch>
+                    </p:blipFill>
+                    <p:spPr>
+                      <a:xfrm>
+                        <a:off x="861882" y="1274547"/>
+                        <a:ext cx="2506896" cy="337680"/>
+                      </a:xfrm>
+                      <a:prstGeom prst="rect">
+                        <a:avLst/>
+                      </a:prstGeom>
+                    </p:spPr>
+                  </p:pic>
+                </p:oleObj>
+              </mc:Fallback>
+            </mc:AlternateContent>
+          </a:graphicData>
+        </a:graphic>
+      </p:graphicFrame>
+      <p:graphicFrame>
+        <p:nvGraphicFramePr>
+          <p:cNvPr id="5" name="Object 4">
+            <a:extLst>
+              <a:ext uri="{FF2B5EF4-FFF2-40B4-BE49-F238E27FC236}">
+                <a16:creationId xmlns:a16="http://schemas.microsoft.com/office/drawing/2014/main" id="{1018F3AE-016D-F35A-2437-BC6B2050175B}"/>
+              </a:ext>
+            </a:extLst>
+          </p:cNvPr>
+          <p:cNvGraphicFramePr>
+            <a:graphicFrameLocks noChangeAspect="1"/>
+          </p:cNvGraphicFramePr>
+          <p:nvPr>
+            <p:extLst>
+              <p:ext uri="{D42A27DB-BD31-4B8C-83A1-F6EECF244321}">
+                <p14:modId xmlns:p14="http://schemas.microsoft.com/office/powerpoint/2010/main" val="2193723518"/>
+              </p:ext>
+            </p:extLst>
+          </p:nvPr>
+        </p:nvGraphicFramePr>
+        <p:xfrm>
+          <a:off x="863611" y="1839913"/>
+          <a:ext cx="3342528" cy="320040"/>
+        </p:xfrm>
+        <a:graphic>
+          <a:graphicData uri="http://schemas.openxmlformats.org/presentationml/2006/ole">
+            <mc:AlternateContent xmlns:mc="http://schemas.openxmlformats.org/markup-compatibility/2006">
+              <mc:Choice xmlns:v="urn:schemas-microsoft-com:vml" Requires="v">
+                <p:oleObj name="Equation" r:id="rId5" imgW="2387520" imgH="228600" progId="Equation.DSMT4">
+                  <p:embed/>
+                </p:oleObj>
+              </mc:Choice>
+              <mc:Fallback>
+                <p:oleObj name="Equation" r:id="rId5" imgW="2387520" imgH="228600" progId="Equation.DSMT4">
+                  <p:embed/>
+                  <p:pic>
+                    <p:nvPicPr>
+                      <p:cNvPr id="5" name="Object 4">
+                        <a:extLst>
+                          <a:ext uri="{FF2B5EF4-FFF2-40B4-BE49-F238E27FC236}">
+                            <a16:creationId xmlns:a16="http://schemas.microsoft.com/office/drawing/2014/main" id="{1018F3AE-016D-F35A-2437-BC6B2050175B}"/>
+                          </a:ext>
+                        </a:extLst>
+                      </p:cNvPr>
+                      <p:cNvPicPr/>
+                      <p:nvPr/>
+                    </p:nvPicPr>
+                    <p:blipFill>
+                      <a:blip r:embed="rId6"/>
+                      <a:stretch>
+                        <a:fillRect/>
+                      </a:stretch>
+                    </p:blipFill>
+                    <p:spPr>
+                      <a:xfrm>
+                        <a:off x="863611" y="1839913"/>
+                        <a:ext cx="3342528" cy="320040"/>
+                      </a:xfrm>
+                      <a:prstGeom prst="rect">
+                        <a:avLst/>
+                      </a:prstGeom>
+                    </p:spPr>
+                  </p:pic>
+                </p:oleObj>
+              </mc:Fallback>
+            </mc:AlternateContent>
+          </a:graphicData>
+        </a:graphic>
+      </p:graphicFrame>
+      <p:graphicFrame>
+        <p:nvGraphicFramePr>
+          <p:cNvPr id="11" name="Object 10">
+            <a:extLst>
+              <a:ext uri="{FF2B5EF4-FFF2-40B4-BE49-F238E27FC236}">
+                <a16:creationId xmlns:a16="http://schemas.microsoft.com/office/drawing/2014/main" id="{AE27674D-4209-A735-C831-FE7FD0571C63}"/>
+              </a:ext>
+            </a:extLst>
+          </p:cNvPr>
+          <p:cNvGraphicFramePr>
+            <a:graphicFrameLocks noChangeAspect="1"/>
+          </p:cNvGraphicFramePr>
+          <p:nvPr>
+            <p:extLst>
+              <p:ext uri="{D42A27DB-BD31-4B8C-83A1-F6EECF244321}">
+                <p14:modId xmlns:p14="http://schemas.microsoft.com/office/powerpoint/2010/main" val="207080109"/>
+              </p:ext>
+            </p:extLst>
+          </p:nvPr>
+        </p:nvGraphicFramePr>
+        <p:xfrm>
+          <a:off x="861882" y="2444159"/>
+          <a:ext cx="6240463" cy="995362"/>
+        </p:xfrm>
+        <a:graphic>
+          <a:graphicData uri="http://schemas.openxmlformats.org/presentationml/2006/ole">
+            <mc:AlternateContent xmlns:mc="http://schemas.openxmlformats.org/markup-compatibility/2006">
+              <mc:Choice xmlns:v="urn:schemas-microsoft-com:vml" Requires="v">
+                <p:oleObj name="Equation" r:id="rId7" imgW="4457520" imgH="711000" progId="Equation.DSMT4">
+                  <p:embed/>
+                </p:oleObj>
+              </mc:Choice>
+              <mc:Fallback>
+                <p:oleObj name="Equation" r:id="rId7" imgW="4457520" imgH="711000" progId="Equation.DSMT4">
+                  <p:embed/>
+                  <p:pic>
+                    <p:nvPicPr>
+                      <p:cNvPr id="11" name="Object 10">
+                        <a:extLst>
+                          <a:ext uri="{FF2B5EF4-FFF2-40B4-BE49-F238E27FC236}">
+                            <a16:creationId xmlns:a16="http://schemas.microsoft.com/office/drawing/2014/main" id="{AE27674D-4209-A735-C831-FE7FD0571C63}"/>
+                          </a:ext>
+                        </a:extLst>
+                      </p:cNvPr>
+                      <p:cNvPicPr/>
+                      <p:nvPr/>
+                    </p:nvPicPr>
+                    <p:blipFill>
+                      <a:blip r:embed="rId8"/>
+                      <a:stretch>
+                        <a:fillRect/>
+                      </a:stretch>
+                    </p:blipFill>
+                    <p:spPr>
+                      <a:xfrm>
+                        <a:off x="861882" y="2444159"/>
+                        <a:ext cx="6240463" cy="995362"/>
+                      </a:xfrm>
+                      <a:prstGeom prst="rect">
+                        <a:avLst/>
+                      </a:prstGeom>
+                    </p:spPr>
+                  </p:pic>
+                </p:oleObj>
+              </mc:Fallback>
+            </mc:AlternateContent>
+          </a:graphicData>
+        </a:graphic>
+      </p:graphicFrame>
+    </p:spTree>
+    <p:extLst>
+      <p:ext uri="{BB962C8B-B14F-4D97-AF65-F5344CB8AC3E}">
+        <p14:creationId xmlns:p14="http://schemas.microsoft.com/office/powerpoint/2010/main" val="1398240539"/>
+      </p:ext>
+    </p:extLst>
+  </p:cSld>
+  <p:clrMapOvr>
+    <a:masterClrMapping/>
+  </p:clrMapOvr>
+</p:sld>
+</file>
+
+<file path=ppt/slides/slide5.xml><?xml version="1.0" encoding="utf-8"?>
+<p:sld xmlns:a="http://schemas.openxmlformats.org/drawingml/2006/main" xmlns:r="http://schemas.openxmlformats.org/officeDocument/2006/relationships" xmlns:p="http://schemas.openxmlformats.org/presentationml/2006/main">
+  <p:cSld>
+    <p:spTree>
+      <p:nvGrpSpPr>
+        <p:cNvPr id="1" name=""/>
+        <p:cNvGrpSpPr/>
+        <p:nvPr/>
+      </p:nvGrpSpPr>
+      <p:grpSpPr>
+        <a:xfrm>
+          <a:off x="0" y="0"/>
+          <a:ext cx="0" cy="0"/>
+          <a:chOff x="0" y="0"/>
+          <a:chExt cx="0" cy="0"/>
+        </a:xfrm>
+      </p:grpSpPr>
+      <p:sp>
+        <p:nvSpPr>
+          <p:cNvPr id="3" name="Title 2">
+            <a:extLst>
+              <a:ext uri="{FF2B5EF4-FFF2-40B4-BE49-F238E27FC236}">
                 <a16:creationId xmlns:a16="http://schemas.microsoft.com/office/drawing/2014/main" id="{7B35CFC6-704C-7A6E-E109-691FB60ACEB9}"/>
               </a:ext>
             </a:extLst>
@@ -19359,9 +19985,12 @@
 </file>
 
 <file path=customXml/item1.xml><?xml version="1.0" encoding="utf-8"?>
-<p:properties xmlns:p="http://schemas.microsoft.com/office/2006/metadata/properties" xmlns:xsi="http://www.w3.org/2001/XMLSchema-instance" xmlns:pc="http://schemas.microsoft.com/office/infopath/2007/PartnerControls">
-  <documentManagement/>
-</p:properties>
+<?mso-contentType ?>
+<FormTemplates xmlns="http://schemas.microsoft.com/sharepoint/v3/contenttype/forms">
+  <Display>DocumentLibraryForm</Display>
+  <Edit>DocumentLibraryForm</Edit>
+  <New>DocumentLibraryForm</New>
+</FormTemplates>
 </file>
 
 <file path=customXml/item2.xml><?xml version="1.0" encoding="utf-8"?>
@@ -19594,27 +20223,15 @@
 </file>
 
 <file path=customXml/item3.xml><?xml version="1.0" encoding="utf-8"?>
-<?mso-contentType ?>
-<FormTemplates xmlns="http://schemas.microsoft.com/sharepoint/v3/contenttype/forms">
-  <Display>DocumentLibraryForm</Display>
-  <Edit>DocumentLibraryForm</Edit>
-  <New>DocumentLibraryForm</New>
-</FormTemplates>
+<p:properties xmlns:p="http://schemas.microsoft.com/office/2006/metadata/properties" xmlns:xsi="http://www.w3.org/2001/XMLSchema-instance" xmlns:pc="http://schemas.microsoft.com/office/infopath/2007/PartnerControls">
+  <documentManagement/>
+</p:properties>
 </file>
 
 <file path=customXml/itemProps1.xml><?xml version="1.0" encoding="utf-8"?>
-<ds:datastoreItem xmlns:ds="http://schemas.openxmlformats.org/officeDocument/2006/customXml" ds:itemID="{EC2C04E8-859A-4A48-8B82-9D65E9A426FA}">
+<ds:datastoreItem xmlns:ds="http://schemas.openxmlformats.org/officeDocument/2006/customXml" ds:itemID="{09F3C062-D38F-48CE-91BA-6E0D2C668D03}">
   <ds:schemaRefs>
-    <ds:schemaRef ds:uri="bb43da5c-49da-475c-8c5c-3244aed61b0c"/>
-    <ds:schemaRef ds:uri="http://purl.org/dc/terms/"/>
-    <ds:schemaRef ds:uri="http://schemas.openxmlformats.org/package/2006/metadata/core-properties"/>
-    <ds:schemaRef ds:uri="c946b7e2-cc54-4581-898e-1f5d59eaacce"/>
-    <ds:schemaRef ds:uri="http://schemas.microsoft.com/office/2006/documentManagement/types"/>
-    <ds:schemaRef ds:uri="http://schemas.microsoft.com/office/infopath/2007/PartnerControls"/>
-    <ds:schemaRef ds:uri="http://purl.org/dc/elements/1.1/"/>
-    <ds:schemaRef ds:uri="http://schemas.microsoft.com/office/2006/metadata/properties"/>
-    <ds:schemaRef ds:uri="http://www.w3.org/XML/1998/namespace"/>
-    <ds:schemaRef ds:uri="http://purl.org/dc/dcmitype/"/>
+    <ds:schemaRef ds:uri="http://schemas.microsoft.com/sharepoint/v3/contenttype/forms"/>
   </ds:schemaRefs>
 </ds:datastoreItem>
 </file>
@@ -19639,9 +20256,18 @@
 </file>
 
 <file path=customXml/itemProps3.xml><?xml version="1.0" encoding="utf-8"?>
-<ds:datastoreItem xmlns:ds="http://schemas.openxmlformats.org/officeDocument/2006/customXml" ds:itemID="{09F3C062-D38F-48CE-91BA-6E0D2C668D03}">
+<ds:datastoreItem xmlns:ds="http://schemas.openxmlformats.org/officeDocument/2006/customXml" ds:itemID="{EC2C04E8-859A-4A48-8B82-9D65E9A426FA}">
   <ds:schemaRefs>
-    <ds:schemaRef ds:uri="http://schemas.microsoft.com/sharepoint/v3/contenttype/forms"/>
+    <ds:schemaRef ds:uri="bb43da5c-49da-475c-8c5c-3244aed61b0c"/>
+    <ds:schemaRef ds:uri="http://purl.org/dc/terms/"/>
+    <ds:schemaRef ds:uri="http://schemas.openxmlformats.org/package/2006/metadata/core-properties"/>
+    <ds:schemaRef ds:uri="c946b7e2-cc54-4581-898e-1f5d59eaacce"/>
+    <ds:schemaRef ds:uri="http://schemas.microsoft.com/office/2006/documentManagement/types"/>
+    <ds:schemaRef ds:uri="http://schemas.microsoft.com/office/infopath/2007/PartnerControls"/>
+    <ds:schemaRef ds:uri="http://purl.org/dc/elements/1.1/"/>
+    <ds:schemaRef ds:uri="http://schemas.microsoft.com/office/2006/metadata/properties"/>
+    <ds:schemaRef ds:uri="http://www.w3.org/XML/1998/namespace"/>
+    <ds:schemaRef ds:uri="http://purl.org/dc/dcmitype/"/>
   </ds:schemaRefs>
 </ds:datastoreItem>
 </file>
--- a/doc/TF.pptx
+++ b/doc/TF.pptx
@@ -6333,7 +6333,7 @@
   <pc:docChgLst>
     <pc:chgData name="Øyvind Wiig Petersen" userId="8db00c4c-acc5-4dea-8516-ccf730572e42" providerId="ADAL" clId="{3D793AE2-BCEA-478C-9FE3-C585EFDB2462}"/>
     <pc:docChg chg="custSel addSld delSld modSld sldOrd">
-      <pc:chgData name="Øyvind Wiig Petersen" userId="8db00c4c-acc5-4dea-8516-ccf730572e42" providerId="ADAL" clId="{3D793AE2-BCEA-478C-9FE3-C585EFDB2462}" dt="2024-03-26T19:59:54.761" v="407" actId="1076"/>
+      <pc:chgData name="Øyvind Wiig Petersen" userId="8db00c4c-acc5-4dea-8516-ccf730572e42" providerId="ADAL" clId="{3D793AE2-BCEA-478C-9FE3-C585EFDB2462}" dt="2024-04-01T06:21:40.268" v="408" actId="478"/>
       <pc:docMkLst>
         <pc:docMk/>
       </pc:docMkLst>
@@ -6413,12 +6413,20 @@
           </ac:graphicFrameMkLst>
         </pc:graphicFrameChg>
       </pc:sldChg>
-      <pc:sldChg chg="modSp mod">
-        <pc:chgData name="Øyvind Wiig Petersen" userId="8db00c4c-acc5-4dea-8516-ccf730572e42" providerId="ADAL" clId="{3D793AE2-BCEA-478C-9FE3-C585EFDB2462}" dt="2024-03-13T12:05:51.318" v="283" actId="1036"/>
+      <pc:sldChg chg="delSp modSp mod">
+        <pc:chgData name="Øyvind Wiig Petersen" userId="8db00c4c-acc5-4dea-8516-ccf730572e42" providerId="ADAL" clId="{3D793AE2-BCEA-478C-9FE3-C585EFDB2462}" dt="2024-04-01T06:21:40.268" v="408" actId="478"/>
         <pc:sldMkLst>
           <pc:docMk/>
           <pc:sldMk cId="194715326" sldId="685"/>
         </pc:sldMkLst>
+        <pc:spChg chg="del">
+          <ac:chgData name="Øyvind Wiig Petersen" userId="8db00c4c-acc5-4dea-8516-ccf730572e42" providerId="ADAL" clId="{3D793AE2-BCEA-478C-9FE3-C585EFDB2462}" dt="2024-04-01T06:21:40.268" v="408" actId="478"/>
+          <ac:spMkLst>
+            <pc:docMk/>
+            <pc:sldMk cId="194715326" sldId="685"/>
+            <ac:spMk id="10" creationId="{F634CA68-C90F-FACD-C14B-7ED6A5C67178}"/>
+          </ac:spMkLst>
+        </pc:spChg>
         <pc:graphicFrameChg chg="mod">
           <ac:chgData name="Øyvind Wiig Petersen" userId="8db00c4c-acc5-4dea-8516-ccf730572e42" providerId="ADAL" clId="{3D793AE2-BCEA-478C-9FE3-C585EFDB2462}" dt="2024-03-13T12:05:51.318" v="283" actId="1036"/>
           <ac:graphicFrameMkLst>
@@ -13730,7 +13738,7 @@
           <a:p>
             <a:fld id="{A5900E29-18E1-4109-AAA1-F28C0AAA934D}" type="datetimeFigureOut">
               <a:rPr lang="en-US" smtClean="0"/>
-              <a:t>3/26/2024</a:t>
+              <a:t>4/1/2024</a:t>
             </a:fld>
             <a:endParaRPr lang="en-US"/>
           </a:p>
@@ -13895,7 +13903,7 @@
           <a:p>
             <a:fld id="{9202B75C-0EBB-4B30-BBC4-C5E69FFFE7FE}" type="datetimeFigureOut">
               <a:rPr lang="nb-NO" smtClean="0"/>
-              <a:t>26.03.2024</a:t>
+              <a:t>01.04.2024</a:t>
             </a:fld>
             <a:endParaRPr lang="nb-NO"/>
           </a:p>
@@ -17409,182 +17417,6 @@
           </a:graphicData>
         </a:graphic>
       </p:graphicFrame>
-      <p:sp>
-        <p:nvSpPr>
-          <p:cNvPr id="10" name="Content Placeholder 4">
-            <a:extLst>
-              <a:ext uri="{FF2B5EF4-FFF2-40B4-BE49-F238E27FC236}">
-                <a16:creationId xmlns:a16="http://schemas.microsoft.com/office/drawing/2014/main" id="{F634CA68-C90F-FACD-C14B-7ED6A5C67178}"/>
-              </a:ext>
-            </a:extLst>
-          </p:cNvPr>
-          <p:cNvSpPr txBox="1">
-            <a:spLocks/>
-          </p:cNvSpPr>
-          <p:nvPr/>
-        </p:nvSpPr>
-        <p:spPr>
-          <a:xfrm>
-            <a:off x="587374" y="1274547"/>
-            <a:ext cx="11372921" cy="506735"/>
-          </a:xfrm>
-          <a:prstGeom prst="rect">
-            <a:avLst/>
-          </a:prstGeom>
-        </p:spPr>
-        <p:txBody>
-          <a:bodyPr vert="horz" lIns="91440" tIns="45720" rIns="91440" bIns="45720" rtlCol="0">
-            <a:noAutofit/>
-          </a:bodyPr>
-          <a:lstStyle>
-            <a:lvl1pPr marL="342900" indent="-342900" algn="l" defTabSz="457200" rtl="0" eaLnBrk="1" latinLnBrk="0" hangingPunct="1">
-              <a:spcBef>
-                <a:spcPct val="20000"/>
-              </a:spcBef>
-              <a:buFont typeface="Arial"/>
-              <a:buChar char="•"/>
-              <a:defRPr sz="1800" kern="1200">
-                <a:solidFill>
-                  <a:schemeClr val="tx1"/>
-                </a:solidFill>
-                <a:latin typeface="Arial"/>
-                <a:ea typeface="+mn-ea"/>
-                <a:cs typeface="Arial"/>
-              </a:defRPr>
-            </a:lvl1pPr>
-            <a:lvl2pPr marL="742950" indent="-285750" algn="l" defTabSz="457200" rtl="0" eaLnBrk="1" latinLnBrk="0" hangingPunct="1">
-              <a:spcBef>
-                <a:spcPct val="20000"/>
-              </a:spcBef>
-              <a:buFont typeface="Arial" panose="020B0604020202020204" pitchFamily="34" charset="0"/>
-              <a:buChar char="»"/>
-              <a:defRPr sz="1600" kern="1200">
-                <a:solidFill>
-                  <a:schemeClr val="tx1"/>
-                </a:solidFill>
-                <a:latin typeface="Arial"/>
-                <a:ea typeface="+mn-ea"/>
-                <a:cs typeface="Arial"/>
-              </a:defRPr>
-            </a:lvl2pPr>
-            <a:lvl3pPr marL="1143000" indent="-228600" algn="l" defTabSz="457200" rtl="0" eaLnBrk="1" latinLnBrk="0" hangingPunct="1">
-              <a:spcBef>
-                <a:spcPct val="20000"/>
-              </a:spcBef>
-              <a:buFont typeface="Arial"/>
-              <a:buChar char="•"/>
-              <a:defRPr sz="1200" kern="1200">
-                <a:solidFill>
-                  <a:schemeClr val="tx1"/>
-                </a:solidFill>
-                <a:latin typeface="Arial"/>
-                <a:ea typeface="+mn-ea"/>
-                <a:cs typeface="Arial"/>
-              </a:defRPr>
-            </a:lvl3pPr>
-            <a:lvl4pPr marL="1600200" indent="-228600" algn="l" defTabSz="457200" rtl="0" eaLnBrk="1" latinLnBrk="0" hangingPunct="1">
-              <a:spcBef>
-                <a:spcPct val="20000"/>
-              </a:spcBef>
-              <a:buFont typeface="Arial"/>
-              <a:buChar char="–"/>
-              <a:defRPr sz="1200" kern="1200">
-                <a:solidFill>
-                  <a:schemeClr val="tx1"/>
-                </a:solidFill>
-                <a:latin typeface="Arial"/>
-                <a:ea typeface="+mn-ea"/>
-                <a:cs typeface="Arial"/>
-              </a:defRPr>
-            </a:lvl4pPr>
-            <a:lvl5pPr marL="2057400" indent="-228600" algn="l" defTabSz="457200" rtl="0" eaLnBrk="1" latinLnBrk="0" hangingPunct="1">
-              <a:spcBef>
-                <a:spcPct val="20000"/>
-              </a:spcBef>
-              <a:buFont typeface="Arial"/>
-              <a:buChar char="»"/>
-              <a:defRPr sz="1200" kern="1200">
-                <a:solidFill>
-                  <a:schemeClr val="tx1"/>
-                </a:solidFill>
-                <a:latin typeface="Arial"/>
-                <a:ea typeface="+mn-ea"/>
-                <a:cs typeface="Arial"/>
-              </a:defRPr>
-            </a:lvl5pPr>
-            <a:lvl6pPr marL="2514600" indent="-228600" algn="l" defTabSz="457200" rtl="0" eaLnBrk="1" latinLnBrk="0" hangingPunct="1">
-              <a:spcBef>
-                <a:spcPct val="20000"/>
-              </a:spcBef>
-              <a:buFont typeface="Arial"/>
-              <a:buChar char="•"/>
-              <a:defRPr sz="2000" kern="1200">
-                <a:solidFill>
-                  <a:schemeClr val="tx1"/>
-                </a:solidFill>
-                <a:latin typeface="+mn-lt"/>
-                <a:ea typeface="+mn-ea"/>
-                <a:cs typeface="+mn-cs"/>
-              </a:defRPr>
-            </a:lvl6pPr>
-            <a:lvl7pPr marL="2971800" indent="-228600" algn="l" defTabSz="457200" rtl="0" eaLnBrk="1" latinLnBrk="0" hangingPunct="1">
-              <a:spcBef>
-                <a:spcPct val="20000"/>
-              </a:spcBef>
-              <a:buFont typeface="Arial"/>
-              <a:buChar char="•"/>
-              <a:defRPr sz="2000" kern="1200">
-                <a:solidFill>
-                  <a:schemeClr val="tx1"/>
-                </a:solidFill>
-                <a:latin typeface="+mn-lt"/>
-                <a:ea typeface="+mn-ea"/>
-                <a:cs typeface="+mn-cs"/>
-              </a:defRPr>
-            </a:lvl7pPr>
-            <a:lvl8pPr marL="3429000" indent="-228600" algn="l" defTabSz="457200" rtl="0" eaLnBrk="1" latinLnBrk="0" hangingPunct="1">
-              <a:spcBef>
-                <a:spcPct val="20000"/>
-              </a:spcBef>
-              <a:buFont typeface="Arial"/>
-              <a:buChar char="•"/>
-              <a:defRPr sz="2000" kern="1200">
-                <a:solidFill>
-                  <a:schemeClr val="tx1"/>
-                </a:solidFill>
-                <a:latin typeface="+mn-lt"/>
-                <a:ea typeface="+mn-ea"/>
-                <a:cs typeface="+mn-cs"/>
-              </a:defRPr>
-            </a:lvl8pPr>
-            <a:lvl9pPr marL="3886200" indent="-228600" algn="l" defTabSz="457200" rtl="0" eaLnBrk="1" latinLnBrk="0" hangingPunct="1">
-              <a:spcBef>
-                <a:spcPct val="20000"/>
-              </a:spcBef>
-              <a:buFont typeface="Arial"/>
-              <a:buChar char="•"/>
-              <a:defRPr sz="2000" kern="1200">
-                <a:solidFill>
-                  <a:schemeClr val="tx1"/>
-                </a:solidFill>
-                <a:latin typeface="+mn-lt"/>
-                <a:ea typeface="+mn-ea"/>
-                <a:cs typeface="+mn-cs"/>
-              </a:defRPr>
-            </a:lvl9pPr>
-          </a:lstStyle>
-          <a:p>
-            <a:pPr marL="0" indent="0">
-              <a:buFont typeface="Arial"/>
-              <a:buNone/>
-            </a:pPr>
-            <a:r>
-              <a:rPr lang="en-US" dirty="0"/>
-              <a:t>From NI:</a:t>
-            </a:r>
-          </a:p>
-        </p:txBody>
-      </p:sp>
       <p:graphicFrame>
         <p:nvGraphicFramePr>
           <p:cNvPr id="7" name="Object 6">
@@ -19994,6 +19826,12 @@
 </file>
 
 <file path=customXml/item2.xml><?xml version="1.0" encoding="utf-8"?>
+<p:properties xmlns:p="http://schemas.microsoft.com/office/2006/metadata/properties" xmlns:xsi="http://www.w3.org/2001/XMLSchema-instance" xmlns:pc="http://schemas.microsoft.com/office/infopath/2007/PartnerControls">
+  <documentManagement/>
+</p:properties>
+</file>
+
+<file path=customXml/item3.xml><?xml version="1.0" encoding="utf-8"?>
 <ct:contentTypeSchema xmlns:ct="http://schemas.microsoft.com/office/2006/metadata/contentType" xmlns:ma="http://schemas.microsoft.com/office/2006/metadata/properties/metaAttributes" ct:_="" ma:_="" ma:contentTypeName="Document" ma:contentTypeID="0x0101005211F725C9B5C4468CB16BF006DC038E" ma:contentTypeVersion="14" ma:contentTypeDescription="Create a new document." ma:contentTypeScope="" ma:versionID="8fc18fa9082498103a389be71d804ccc">
   <xsd:schema xmlns:xsd="http://www.w3.org/2001/XMLSchema" xmlns:xs="http://www.w3.org/2001/XMLSchema" xmlns:p="http://schemas.microsoft.com/office/2006/metadata/properties" xmlns:ns3="bb43da5c-49da-475c-8c5c-3244aed61b0c" xmlns:ns4="c946b7e2-cc54-4581-898e-1f5d59eaacce" targetNamespace="http://schemas.microsoft.com/office/2006/metadata/properties" ma:root="true" ma:fieldsID="bd6a4fdcec273fc91dcb004f2a676485" ns3:_="" ns4:_="">
     <xsd:import namespace="bb43da5c-49da-475c-8c5c-3244aed61b0c"/>
@@ -20222,12 +20060,6 @@
 </ct:contentTypeSchema>
 </file>
 
-<file path=customXml/item3.xml><?xml version="1.0" encoding="utf-8"?>
-<p:properties xmlns:p="http://schemas.microsoft.com/office/2006/metadata/properties" xmlns:xsi="http://www.w3.org/2001/XMLSchema-instance" xmlns:pc="http://schemas.microsoft.com/office/infopath/2007/PartnerControls">
-  <documentManagement/>
-</p:properties>
-</file>
-
 <file path=customXml/itemProps1.xml><?xml version="1.0" encoding="utf-8"?>
 <ds:datastoreItem xmlns:ds="http://schemas.openxmlformats.org/officeDocument/2006/customXml" ds:itemID="{09F3C062-D38F-48CE-91BA-6E0D2C668D03}">
   <ds:schemaRefs>
@@ -20237,6 +20069,23 @@
 </file>
 
 <file path=customXml/itemProps2.xml><?xml version="1.0" encoding="utf-8"?>
+<ds:datastoreItem xmlns:ds="http://schemas.openxmlformats.org/officeDocument/2006/customXml" ds:itemID="{EC2C04E8-859A-4A48-8B82-9D65E9A426FA}">
+  <ds:schemaRefs>
+    <ds:schemaRef ds:uri="bb43da5c-49da-475c-8c5c-3244aed61b0c"/>
+    <ds:schemaRef ds:uri="http://purl.org/dc/terms/"/>
+    <ds:schemaRef ds:uri="http://schemas.openxmlformats.org/package/2006/metadata/core-properties"/>
+    <ds:schemaRef ds:uri="c946b7e2-cc54-4581-898e-1f5d59eaacce"/>
+    <ds:schemaRef ds:uri="http://schemas.microsoft.com/office/2006/documentManagement/types"/>
+    <ds:schemaRef ds:uri="http://schemas.microsoft.com/office/infopath/2007/PartnerControls"/>
+    <ds:schemaRef ds:uri="http://purl.org/dc/elements/1.1/"/>
+    <ds:schemaRef ds:uri="http://schemas.microsoft.com/office/2006/metadata/properties"/>
+    <ds:schemaRef ds:uri="http://www.w3.org/XML/1998/namespace"/>
+    <ds:schemaRef ds:uri="http://purl.org/dc/dcmitype/"/>
+  </ds:schemaRefs>
+</ds:datastoreItem>
+</file>
+
+<file path=customXml/itemProps3.xml><?xml version="1.0" encoding="utf-8"?>
 <ds:datastoreItem xmlns:ds="http://schemas.openxmlformats.org/officeDocument/2006/customXml" ds:itemID="{12D208BF-EEC9-45B6-8386-1DCA7AC396C0}">
   <ds:schemaRefs>
     <ds:schemaRef ds:uri="http://schemas.microsoft.com/office/2006/metadata/contentType"/>
@@ -20253,21 +20102,4 @@
     <ds:schemaRef ds:uri="http://schemas.microsoft.com/internal/obd"/>
   </ds:schemaRefs>
 </ds:datastoreItem>
-</file>
-
-<file path=customXml/itemProps3.xml><?xml version="1.0" encoding="utf-8"?>
-<ds:datastoreItem xmlns:ds="http://schemas.openxmlformats.org/officeDocument/2006/customXml" ds:itemID="{EC2C04E8-859A-4A48-8B82-9D65E9A426FA}">
-  <ds:schemaRefs>
-    <ds:schemaRef ds:uri="bb43da5c-49da-475c-8c5c-3244aed61b0c"/>
-    <ds:schemaRef ds:uri="http://purl.org/dc/terms/"/>
-    <ds:schemaRef ds:uri="http://schemas.openxmlformats.org/package/2006/metadata/core-properties"/>
-    <ds:schemaRef ds:uri="c946b7e2-cc54-4581-898e-1f5d59eaacce"/>
-    <ds:schemaRef ds:uri="http://schemas.microsoft.com/office/2006/documentManagement/types"/>
-    <ds:schemaRef ds:uri="http://schemas.microsoft.com/office/infopath/2007/PartnerControls"/>
-    <ds:schemaRef ds:uri="http://purl.org/dc/elements/1.1/"/>
-    <ds:schemaRef ds:uri="http://schemas.microsoft.com/office/2006/metadata/properties"/>
-    <ds:schemaRef ds:uri="http://www.w3.org/XML/1998/namespace"/>
-    <ds:schemaRef ds:uri="http://purl.org/dc/dcmitype/"/>
-  </ds:schemaRefs>
-</ds:datastoreItem>
 </file>